--- a/abdmImplementation/Presentations/IndiaFHIR-CAT21-ABDM-Technical.pptx
+++ b/abdmImplementation/Presentations/IndiaFHIR-CAT21-ABDM-Technical.pptx
@@ -5,7 +5,7 @@
     <p:sldMasterId id="2147483654" r:id="rId1"/>
   </p:sldMasterIdLst>
   <p:notesMasterIdLst>
-    <p:notesMasterId r:id="rId12"/>
+    <p:notesMasterId r:id="rId13"/>
   </p:notesMasterIdLst>
   <p:sldIdLst>
     <p:sldId id="257" r:id="rId2"/>
@@ -18,23 +18,29 @@
     <p:sldId id="264" r:id="rId9"/>
     <p:sldId id="309" r:id="rId10"/>
     <p:sldId id="310" r:id="rId11"/>
+    <p:sldId id="312" r:id="rId12"/>
   </p:sldIdLst>
   <p:sldSz cx="12192000" cy="6858000"/>
   <p:notesSz cx="6858000" cy="9144000"/>
   <p:embeddedFontLst>
     <p:embeddedFont>
       <p:font typeface="Calibri" panose="020F0502020204030204" pitchFamily="34" charset="0"/>
-      <p:regular r:id="rId13"/>
-      <p:bold r:id="rId14"/>
-      <p:italic r:id="rId15"/>
-      <p:boldItalic r:id="rId16"/>
+      <p:regular r:id="rId14"/>
+      <p:bold r:id="rId15"/>
+      <p:italic r:id="rId16"/>
+      <p:boldItalic r:id="rId17"/>
+    </p:embeddedFont>
+    <p:embeddedFont>
+      <p:font typeface="Calibri Light" panose="020F0302020204030204" pitchFamily="34" charset="0"/>
+      <p:regular r:id="rId18"/>
+      <p:italic r:id="rId19"/>
     </p:embeddedFont>
     <p:embeddedFont>
       <p:font typeface="Poppins" panose="00000500000000000000" pitchFamily="2" charset="0"/>
-      <p:regular r:id="rId17"/>
-      <p:bold r:id="rId18"/>
-      <p:italic r:id="rId19"/>
-      <p:boldItalic r:id="rId20"/>
+      <p:regular r:id="rId20"/>
+      <p:bold r:id="rId21"/>
+      <p:italic r:id="rId22"/>
+      <p:boldItalic r:id="rId23"/>
     </p:embeddedFont>
   </p:embeddedFontLst>
   <p:defaultTextStyle>
@@ -3511,7 +3517,24 @@
           <a:p>
             <a:r>
               <a:rPr lang="en-IN" dirty="0"/>
-              <a:t>PHR App </a:t>
+              <a:t>HIU ID (optional)</a:t>
+            </a:r>
+          </a:p>
+          <a:p>
+            <a:r>
+              <a:rPr lang="en-IN" dirty="0"/>
+              <a:t>PHR App – Consent Management, Login, Data Aggregation, Date Viewer etc – 		OIDC Workflow</a:t>
+            </a:r>
+          </a:p>
+          <a:p>
+            <a:pPr lvl="1"/>
+            <a:r>
+              <a:rPr lang="en-IN" dirty="0" err="1"/>
+              <a:t>CareContext</a:t>
+            </a:r>
+            <a:r>
+              <a:rPr lang="en-IN" dirty="0"/>
+              <a:t> / Visit</a:t>
             </a:r>
           </a:p>
           <a:p>
@@ -3526,6 +3549,9 @@
               <a:rPr lang="en-IN" dirty="0"/>
               <a:t>FHIR Data compliant to NRCES ABDM FHIR Profiles</a:t>
             </a:r>
+          </a:p>
+          <a:p>
+            <a:pPr lvl="1"/>
             <a:endParaRPr lang="en-US" dirty="0"/>
           </a:p>
         </p:txBody>
@@ -3534,6 +3560,176 @@
     <p:extLst>
       <p:ext uri="{BB962C8B-B14F-4D97-AF65-F5344CB8AC3E}">
         <p14:creationId xmlns:p14="http://schemas.microsoft.com/office/powerpoint/2010/main" val="1066186737"/>
+      </p:ext>
+    </p:extLst>
+  </p:cSld>
+  <p:clrMapOvr>
+    <a:masterClrMapping/>
+  </p:clrMapOvr>
+</p:sld>
+</file>
+
+<file path=ppt/slides/slide11.xml><?xml version="1.0" encoding="utf-8"?>
+<p:sld xmlns:a="http://schemas.openxmlformats.org/drawingml/2006/main" xmlns:r="http://schemas.openxmlformats.org/officeDocument/2006/relationships" xmlns:p="http://schemas.openxmlformats.org/presentationml/2006/main">
+  <p:cSld>
+    <p:bg>
+      <p:bgPr>
+        <a:solidFill>
+          <a:schemeClr val="bg1"/>
+        </a:solidFill>
+        <a:effectLst/>
+      </p:bgPr>
+    </p:bg>
+    <p:spTree>
+      <p:nvGrpSpPr>
+        <p:cNvPr id="1" name=""/>
+        <p:cNvGrpSpPr/>
+        <p:nvPr/>
+      </p:nvGrpSpPr>
+      <p:grpSpPr>
+        <a:xfrm>
+          <a:off x="0" y="0"/>
+          <a:ext cx="0" cy="0"/>
+          <a:chOff x="0" y="0"/>
+          <a:chExt cx="0" cy="0"/>
+        </a:xfrm>
+      </p:grpSpPr>
+      <p:sp useBgFill="1">
+        <p:nvSpPr>
+          <p:cNvPr id="12" name="Rectangle 9">
+            <a:extLst>
+              <a:ext uri="{FF2B5EF4-FFF2-40B4-BE49-F238E27FC236}">
+                <a16:creationId xmlns:a16="http://schemas.microsoft.com/office/drawing/2014/main" id="{53F29798-D584-4792-9B62-3F5F5C36D619}"/>
+              </a:ext>
+              <a:ext uri="{C183D7F6-B498-43B3-948B-1728B52AA6E4}">
+                <adec:decorative xmlns:adec="http://schemas.microsoft.com/office/drawing/2017/decorative" val="1"/>
+              </a:ext>
+            </a:extLst>
+          </p:cNvPr>
+          <p:cNvSpPr>
+            <a:spLocks noGrp="1" noRot="1" noChangeAspect="1" noMove="1" noResize="1" noEditPoints="1" noAdjustHandles="1" noChangeArrowheads="1" noChangeShapeType="1" noTextEdit="1"/>
+          </p:cNvSpPr>
+          <p:nvPr>
+            <p:extLst>
+              <p:ext uri="{386F3935-93C4-4BCD-93E2-E3B085C9AB24}">
+                <p16:designElem xmlns:p16="http://schemas.microsoft.com/office/powerpoint/2015/main" val="1"/>
+              </p:ext>
+            </p:extLst>
+          </p:nvPr>
+        </p:nvSpPr>
+        <p:spPr>
+          <a:xfrm>
+            <a:off x="0" y="0"/>
+            <a:ext cx="12188952" cy="6858000"/>
+          </a:xfrm>
+          <a:prstGeom prst="rect">
+            <a:avLst/>
+          </a:prstGeom>
+          <a:ln>
+            <a:noFill/>
+          </a:ln>
+        </p:spPr>
+        <p:style>
+          <a:lnRef idx="2">
+            <a:schemeClr val="accent1">
+              <a:shade val="50000"/>
+            </a:schemeClr>
+          </a:lnRef>
+          <a:fillRef idx="1">
+            <a:schemeClr val="accent1"/>
+          </a:fillRef>
+          <a:effectRef idx="0">
+            <a:schemeClr val="accent1"/>
+          </a:effectRef>
+          <a:fontRef idx="minor">
+            <a:schemeClr val="lt1"/>
+          </a:fontRef>
+        </p:style>
+        <p:txBody>
+          <a:bodyPr rtlCol="0" anchor="ctr"/>
+          <a:lstStyle/>
+          <a:p>
+            <a:pPr algn="ctr"/>
+            <a:endParaRPr lang="en-US"/>
+          </a:p>
+        </p:txBody>
+      </p:sp>
+      <p:sp>
+        <p:nvSpPr>
+          <p:cNvPr id="2" name="Title 1">
+            <a:extLst>
+              <a:ext uri="{FF2B5EF4-FFF2-40B4-BE49-F238E27FC236}">
+                <a16:creationId xmlns:a16="http://schemas.microsoft.com/office/drawing/2014/main" id="{254AE20A-EF65-40D0-872F-1C110A638ADC}"/>
+              </a:ext>
+            </a:extLst>
+          </p:cNvPr>
+          <p:cNvSpPr>
+            <a:spLocks noGrp="1"/>
+          </p:cNvSpPr>
+          <p:nvPr>
+            <p:ph type="title"/>
+          </p:nvPr>
+        </p:nvSpPr>
+        <p:spPr>
+          <a:xfrm>
+            <a:off x="838200" y="184805"/>
+            <a:ext cx="10515600" cy="1505883"/>
+          </a:xfrm>
+        </p:spPr>
+        <p:txBody>
+          <a:bodyPr vert="horz" lIns="91440" tIns="45720" rIns="91440" bIns="45720" rtlCol="0" anchor="ctr">
+            <a:normAutofit/>
+          </a:bodyPr>
+          <a:lstStyle/>
+          <a:p>
+            <a:r>
+              <a:rPr lang="en-US" sz="5200" kern="1200">
+                <a:solidFill>
+                  <a:schemeClr val="tx1"/>
+                </a:solidFill>
+                <a:latin typeface="+mj-lt"/>
+                <a:ea typeface="+mj-ea"/>
+                <a:cs typeface="+mj-cs"/>
+              </a:rPr>
+              <a:t>Workflows in UseCase</a:t>
+            </a:r>
+          </a:p>
+        </p:txBody>
+      </p:sp>
+      <p:pic>
+        <p:nvPicPr>
+          <p:cNvPr id="9" name="Picture 8">
+            <a:extLst>
+              <a:ext uri="{FF2B5EF4-FFF2-40B4-BE49-F238E27FC236}">
+                <a16:creationId xmlns:a16="http://schemas.microsoft.com/office/drawing/2014/main" id="{A00D4557-CAC2-4DF7-B081-760AA5E2EC6A}"/>
+              </a:ext>
+            </a:extLst>
+          </p:cNvPr>
+          <p:cNvPicPr>
+            <a:picLocks noChangeAspect="1"/>
+          </p:cNvPicPr>
+          <p:nvPr/>
+        </p:nvPicPr>
+        <p:blipFill>
+          <a:blip r:embed="rId2"/>
+          <a:stretch>
+            <a:fillRect/>
+          </a:stretch>
+        </p:blipFill>
+        <p:spPr>
+          <a:xfrm>
+            <a:off x="193765" y="1263036"/>
+            <a:ext cx="11530149" cy="5410160"/>
+          </a:xfrm>
+          <a:prstGeom prst="rect">
+            <a:avLst/>
+          </a:prstGeom>
+        </p:spPr>
+      </p:pic>
+    </p:spTree>
+    <p:extLst>
+      <p:ext uri="{BB962C8B-B14F-4D97-AF65-F5344CB8AC3E}">
+        <p14:creationId xmlns:p14="http://schemas.microsoft.com/office/powerpoint/2010/main" val="2471004531"/>
       </p:ext>
     </p:extLst>
   </p:cSld>
